--- a/lecture-slides/2020-03-05-oop.pptx
+++ b/lecture-slides/2020-03-05-oop.pptx
@@ -207,7 +207,7 @@
           <a:p>
             <a:fld id="{A677DEB0-5AA4-49C7-B0AD-AD047A002C4C}" type="datetimeFigureOut">
               <a:rPr lang="en-US" smtClean="0"/>
-              <a:t>3/3/20</a:t>
+              <a:t>3/4/20</a:t>
             </a:fld>
             <a:endParaRPr lang="en-US"/>
           </a:p>
@@ -1581,7 +1581,7 @@
           <a:p>
             <a:fld id="{1B52E0E1-344B-4E26-B5AD-CE86AB802485}" type="datetimeFigureOut">
               <a:rPr lang="en-US" smtClean="0"/>
-              <a:t>3/3/20</a:t>
+              <a:t>3/4/20</a:t>
             </a:fld>
             <a:endParaRPr lang="en-US"/>
           </a:p>
@@ -1779,7 +1779,7 @@
           <a:p>
             <a:fld id="{1B52E0E1-344B-4E26-B5AD-CE86AB802485}" type="datetimeFigureOut">
               <a:rPr lang="en-US" smtClean="0"/>
-              <a:t>3/3/20</a:t>
+              <a:t>3/4/20</a:t>
             </a:fld>
             <a:endParaRPr lang="en-US"/>
           </a:p>
@@ -1987,7 +1987,7 @@
           <a:p>
             <a:fld id="{1B52E0E1-344B-4E26-B5AD-CE86AB802485}" type="datetimeFigureOut">
               <a:rPr lang="en-US" smtClean="0"/>
-              <a:t>3/3/20</a:t>
+              <a:t>3/4/20</a:t>
             </a:fld>
             <a:endParaRPr lang="en-US"/>
           </a:p>
@@ -2185,7 +2185,7 @@
           <a:p>
             <a:fld id="{1B52E0E1-344B-4E26-B5AD-CE86AB802485}" type="datetimeFigureOut">
               <a:rPr lang="en-US" smtClean="0"/>
-              <a:t>3/3/20</a:t>
+              <a:t>3/4/20</a:t>
             </a:fld>
             <a:endParaRPr lang="en-US"/>
           </a:p>
@@ -2460,7 +2460,7 @@
           <a:p>
             <a:fld id="{1B52E0E1-344B-4E26-B5AD-CE86AB802485}" type="datetimeFigureOut">
               <a:rPr lang="en-US" smtClean="0"/>
-              <a:t>3/3/20</a:t>
+              <a:t>3/4/20</a:t>
             </a:fld>
             <a:endParaRPr lang="en-US"/>
           </a:p>
@@ -2725,7 +2725,7 @@
           <a:p>
             <a:fld id="{1B52E0E1-344B-4E26-B5AD-CE86AB802485}" type="datetimeFigureOut">
               <a:rPr lang="en-US" smtClean="0"/>
-              <a:t>3/3/20</a:t>
+              <a:t>3/4/20</a:t>
             </a:fld>
             <a:endParaRPr lang="en-US"/>
           </a:p>
@@ -3137,7 +3137,7 @@
           <a:p>
             <a:fld id="{1B52E0E1-344B-4E26-B5AD-CE86AB802485}" type="datetimeFigureOut">
               <a:rPr lang="en-US" smtClean="0"/>
-              <a:t>3/3/20</a:t>
+              <a:t>3/4/20</a:t>
             </a:fld>
             <a:endParaRPr lang="en-US"/>
           </a:p>
@@ -3278,7 +3278,7 @@
           <a:p>
             <a:fld id="{1B52E0E1-344B-4E26-B5AD-CE86AB802485}" type="datetimeFigureOut">
               <a:rPr lang="en-US" smtClean="0"/>
-              <a:t>3/3/20</a:t>
+              <a:t>3/4/20</a:t>
             </a:fld>
             <a:endParaRPr lang="en-US"/>
           </a:p>
@@ -3391,7 +3391,7 @@
           <a:p>
             <a:fld id="{1B52E0E1-344B-4E26-B5AD-CE86AB802485}" type="datetimeFigureOut">
               <a:rPr lang="en-US" smtClean="0"/>
-              <a:t>3/3/20</a:t>
+              <a:t>3/4/20</a:t>
             </a:fld>
             <a:endParaRPr lang="en-US"/>
           </a:p>
@@ -3702,7 +3702,7 @@
           <a:p>
             <a:fld id="{1B52E0E1-344B-4E26-B5AD-CE86AB802485}" type="datetimeFigureOut">
               <a:rPr lang="en-US" smtClean="0"/>
-              <a:t>3/3/20</a:t>
+              <a:t>3/4/20</a:t>
             </a:fld>
             <a:endParaRPr lang="en-US"/>
           </a:p>
@@ -3990,7 +3990,7 @@
           <a:p>
             <a:fld id="{1B52E0E1-344B-4E26-B5AD-CE86AB802485}" type="datetimeFigureOut">
               <a:rPr lang="en-US" smtClean="0"/>
-              <a:t>3/3/20</a:t>
+              <a:t>3/4/20</a:t>
             </a:fld>
             <a:endParaRPr lang="en-US"/>
           </a:p>
@@ -4231,7 +4231,7 @@
           <a:p>
             <a:fld id="{1B52E0E1-344B-4E26-B5AD-CE86AB802485}" type="datetimeFigureOut">
               <a:rPr lang="en-US" smtClean="0"/>
-              <a:t>3/3/20</a:t>
+              <a:t>3/4/20</a:t>
             </a:fld>
             <a:endParaRPr lang="en-US"/>
           </a:p>
@@ -6348,7 +6348,7 @@
             </a:pPr>
             <a:r>
               <a:rPr lang="en-US" sz="2000" dirty="0"/>
-              <a:t>Have a wonderful week1</a:t>
+              <a:t>Have a wonderful Spring Break</a:t>
             </a:r>
           </a:p>
         </p:txBody>
